--- a/Java Урок 17 ООП. Узагальнююче програмування.pptx
+++ b/Java Урок 17 ООП. Узагальнююче програмування.pptx
@@ -279,7 +279,7 @@
           <a:p>
             <a:fld id="{050C34E3-87AD-49F0-AF09-C500CE1E1065}" type="datetimeFigureOut">
               <a:rPr lang="uk-UA" smtClean="0"/>
-              <a:t>12.01.2024</a:t>
+              <a:t>08.02.2024</a:t>
             </a:fld>
             <a:endParaRPr lang="uk-UA"/>
           </a:p>
@@ -479,7 +479,7 @@
           <a:p>
             <a:fld id="{050C34E3-87AD-49F0-AF09-C500CE1E1065}" type="datetimeFigureOut">
               <a:rPr lang="uk-UA" smtClean="0"/>
-              <a:t>12.01.2024</a:t>
+              <a:t>08.02.2024</a:t>
             </a:fld>
             <a:endParaRPr lang="uk-UA"/>
           </a:p>
@@ -689,7 +689,7 @@
           <a:p>
             <a:fld id="{050C34E3-87AD-49F0-AF09-C500CE1E1065}" type="datetimeFigureOut">
               <a:rPr lang="uk-UA" smtClean="0"/>
-              <a:t>12.01.2024</a:t>
+              <a:t>08.02.2024</a:t>
             </a:fld>
             <a:endParaRPr lang="uk-UA"/>
           </a:p>
@@ -889,7 +889,7 @@
           <a:p>
             <a:fld id="{050C34E3-87AD-49F0-AF09-C500CE1E1065}" type="datetimeFigureOut">
               <a:rPr lang="uk-UA" smtClean="0"/>
-              <a:t>12.01.2024</a:t>
+              <a:t>08.02.2024</a:t>
             </a:fld>
             <a:endParaRPr lang="uk-UA"/>
           </a:p>
@@ -1165,7 +1165,7 @@
           <a:p>
             <a:fld id="{050C34E3-87AD-49F0-AF09-C500CE1E1065}" type="datetimeFigureOut">
               <a:rPr lang="uk-UA" smtClean="0"/>
-              <a:t>12.01.2024</a:t>
+              <a:t>08.02.2024</a:t>
             </a:fld>
             <a:endParaRPr lang="uk-UA"/>
           </a:p>
@@ -1433,7 +1433,7 @@
           <a:p>
             <a:fld id="{050C34E3-87AD-49F0-AF09-C500CE1E1065}" type="datetimeFigureOut">
               <a:rPr lang="uk-UA" smtClean="0"/>
-              <a:t>12.01.2024</a:t>
+              <a:t>08.02.2024</a:t>
             </a:fld>
             <a:endParaRPr lang="uk-UA"/>
           </a:p>
@@ -1848,7 +1848,7 @@
           <a:p>
             <a:fld id="{050C34E3-87AD-49F0-AF09-C500CE1E1065}" type="datetimeFigureOut">
               <a:rPr lang="uk-UA" smtClean="0"/>
-              <a:t>12.01.2024</a:t>
+              <a:t>08.02.2024</a:t>
             </a:fld>
             <a:endParaRPr lang="uk-UA"/>
           </a:p>
@@ -1990,7 +1990,7 @@
           <a:p>
             <a:fld id="{050C34E3-87AD-49F0-AF09-C500CE1E1065}" type="datetimeFigureOut">
               <a:rPr lang="uk-UA" smtClean="0"/>
-              <a:t>12.01.2024</a:t>
+              <a:t>08.02.2024</a:t>
             </a:fld>
             <a:endParaRPr lang="uk-UA"/>
           </a:p>
@@ -2103,7 +2103,7 @@
           <a:p>
             <a:fld id="{050C34E3-87AD-49F0-AF09-C500CE1E1065}" type="datetimeFigureOut">
               <a:rPr lang="uk-UA" smtClean="0"/>
-              <a:t>12.01.2024</a:t>
+              <a:t>08.02.2024</a:t>
             </a:fld>
             <a:endParaRPr lang="uk-UA"/>
           </a:p>
@@ -2416,7 +2416,7 @@
           <a:p>
             <a:fld id="{050C34E3-87AD-49F0-AF09-C500CE1E1065}" type="datetimeFigureOut">
               <a:rPr lang="uk-UA" smtClean="0"/>
-              <a:t>12.01.2024</a:t>
+              <a:t>08.02.2024</a:t>
             </a:fld>
             <a:endParaRPr lang="uk-UA"/>
           </a:p>
@@ -2705,7 +2705,7 @@
           <a:p>
             <a:fld id="{050C34E3-87AD-49F0-AF09-C500CE1E1065}" type="datetimeFigureOut">
               <a:rPr lang="uk-UA" smtClean="0"/>
-              <a:t>12.01.2024</a:t>
+              <a:t>08.02.2024</a:t>
             </a:fld>
             <a:endParaRPr lang="uk-UA"/>
           </a:p>
@@ -2948,7 +2948,7 @@
           <a:p>
             <a:fld id="{050C34E3-87AD-49F0-AF09-C500CE1E1065}" type="datetimeFigureOut">
               <a:rPr lang="uk-UA" smtClean="0"/>
-              <a:t>12.01.2024</a:t>
+              <a:t>08.02.2024</a:t>
             </a:fld>
             <a:endParaRPr lang="uk-UA"/>
           </a:p>

--- a/Java Урок 17 ООП. Узагальнююче програмування.pptx
+++ b/Java Урок 17 ООП. Узагальнююче програмування.pptx
@@ -279,7 +279,7 @@
           <a:p>
             <a:fld id="{050C34E3-87AD-49F0-AF09-C500CE1E1065}" type="datetimeFigureOut">
               <a:rPr lang="uk-UA" smtClean="0"/>
-              <a:t>08.02.2024</a:t>
+              <a:t>21.02.2024</a:t>
             </a:fld>
             <a:endParaRPr lang="uk-UA"/>
           </a:p>
@@ -479,7 +479,7 @@
           <a:p>
             <a:fld id="{050C34E3-87AD-49F0-AF09-C500CE1E1065}" type="datetimeFigureOut">
               <a:rPr lang="uk-UA" smtClean="0"/>
-              <a:t>08.02.2024</a:t>
+              <a:t>21.02.2024</a:t>
             </a:fld>
             <a:endParaRPr lang="uk-UA"/>
           </a:p>
@@ -689,7 +689,7 @@
           <a:p>
             <a:fld id="{050C34E3-87AD-49F0-AF09-C500CE1E1065}" type="datetimeFigureOut">
               <a:rPr lang="uk-UA" smtClean="0"/>
-              <a:t>08.02.2024</a:t>
+              <a:t>21.02.2024</a:t>
             </a:fld>
             <a:endParaRPr lang="uk-UA"/>
           </a:p>
@@ -889,7 +889,7 @@
           <a:p>
             <a:fld id="{050C34E3-87AD-49F0-AF09-C500CE1E1065}" type="datetimeFigureOut">
               <a:rPr lang="uk-UA" smtClean="0"/>
-              <a:t>08.02.2024</a:t>
+              <a:t>21.02.2024</a:t>
             </a:fld>
             <a:endParaRPr lang="uk-UA"/>
           </a:p>
@@ -1165,7 +1165,7 @@
           <a:p>
             <a:fld id="{050C34E3-87AD-49F0-AF09-C500CE1E1065}" type="datetimeFigureOut">
               <a:rPr lang="uk-UA" smtClean="0"/>
-              <a:t>08.02.2024</a:t>
+              <a:t>21.02.2024</a:t>
             </a:fld>
             <a:endParaRPr lang="uk-UA"/>
           </a:p>
@@ -1433,7 +1433,7 @@
           <a:p>
             <a:fld id="{050C34E3-87AD-49F0-AF09-C500CE1E1065}" type="datetimeFigureOut">
               <a:rPr lang="uk-UA" smtClean="0"/>
-              <a:t>08.02.2024</a:t>
+              <a:t>21.02.2024</a:t>
             </a:fld>
             <a:endParaRPr lang="uk-UA"/>
           </a:p>
@@ -1848,7 +1848,7 @@
           <a:p>
             <a:fld id="{050C34E3-87AD-49F0-AF09-C500CE1E1065}" type="datetimeFigureOut">
               <a:rPr lang="uk-UA" smtClean="0"/>
-              <a:t>08.02.2024</a:t>
+              <a:t>21.02.2024</a:t>
             </a:fld>
             <a:endParaRPr lang="uk-UA"/>
           </a:p>
@@ -1990,7 +1990,7 @@
           <a:p>
             <a:fld id="{050C34E3-87AD-49F0-AF09-C500CE1E1065}" type="datetimeFigureOut">
               <a:rPr lang="uk-UA" smtClean="0"/>
-              <a:t>08.02.2024</a:t>
+              <a:t>21.02.2024</a:t>
             </a:fld>
             <a:endParaRPr lang="uk-UA"/>
           </a:p>
@@ -2103,7 +2103,7 @@
           <a:p>
             <a:fld id="{050C34E3-87AD-49F0-AF09-C500CE1E1065}" type="datetimeFigureOut">
               <a:rPr lang="uk-UA" smtClean="0"/>
-              <a:t>08.02.2024</a:t>
+              <a:t>21.02.2024</a:t>
             </a:fld>
             <a:endParaRPr lang="uk-UA"/>
           </a:p>
@@ -2416,7 +2416,7 @@
           <a:p>
             <a:fld id="{050C34E3-87AD-49F0-AF09-C500CE1E1065}" type="datetimeFigureOut">
               <a:rPr lang="uk-UA" smtClean="0"/>
-              <a:t>08.02.2024</a:t>
+              <a:t>21.02.2024</a:t>
             </a:fld>
             <a:endParaRPr lang="uk-UA"/>
           </a:p>
@@ -2705,7 +2705,7 @@
           <a:p>
             <a:fld id="{050C34E3-87AD-49F0-AF09-C500CE1E1065}" type="datetimeFigureOut">
               <a:rPr lang="uk-UA" smtClean="0"/>
-              <a:t>08.02.2024</a:t>
+              <a:t>21.02.2024</a:t>
             </a:fld>
             <a:endParaRPr lang="uk-UA"/>
           </a:p>
@@ -2948,7 +2948,7 @@
           <a:p>
             <a:fld id="{050C34E3-87AD-49F0-AF09-C500CE1E1065}" type="datetimeFigureOut">
               <a:rPr lang="uk-UA" smtClean="0"/>
-              <a:t>08.02.2024</a:t>
+              <a:t>21.02.2024</a:t>
             </a:fld>
             <a:endParaRPr lang="uk-UA"/>
           </a:p>
@@ -5083,16 +5083,34 @@
               <a:buNone/>
             </a:pPr>
             <a:r>
-              <a:rPr lang="en-US" altLang="en-US" sz="2000">
-                <a:solidFill>
-                  <a:srgbClr val="203582"/>
-                </a:solidFill>
-                <a:latin typeface="Courier New" panose="02070309020205020404" pitchFamily="49" charset="0"/>
-              </a:rPr>
-              <a:t>public void boxTest(</a:t>
-            </a:r>
-            <a:r>
-              <a:rPr lang="en-US" altLang="en-US" sz="2000" b="1">
+              <a:rPr lang="en-US" altLang="en-US" sz="2000" dirty="0">
+                <a:solidFill>
+                  <a:srgbClr val="203582"/>
+                </a:solidFill>
+                <a:latin typeface="Courier New" panose="02070309020205020404" pitchFamily="49" charset="0"/>
+              </a:rPr>
+              <a:t>public void </a:t>
+            </a:r>
+            <a:r>
+              <a:rPr lang="en-US" altLang="en-US" sz="2000" dirty="0" err="1">
+                <a:solidFill>
+                  <a:srgbClr val="203582"/>
+                </a:solidFill>
+                <a:latin typeface="Courier New" panose="02070309020205020404" pitchFamily="49" charset="0"/>
+              </a:rPr>
+              <a:t>boxTest</a:t>
+            </a:r>
+            <a:r>
+              <a:rPr lang="en-US" altLang="en-US" sz="2000" dirty="0">
+                <a:solidFill>
+                  <a:srgbClr val="203582"/>
+                </a:solidFill>
+                <a:latin typeface="Courier New" panose="02070309020205020404" pitchFamily="49" charset="0"/>
+              </a:rPr>
+              <a:t>(</a:t>
+            </a:r>
+            <a:r>
+              <a:rPr lang="en-US" altLang="en-US" sz="2000" b="1" dirty="0">
                 <a:solidFill>
                   <a:srgbClr val="203582"/>
                 </a:solidFill>
@@ -5101,7 +5119,7 @@
               <a:t>Box&lt;Number&gt;</a:t>
             </a:r>
             <a:r>
-              <a:rPr lang="en-US" altLang="en-US" sz="2000">
+              <a:rPr lang="en-US" altLang="en-US" sz="2000" dirty="0">
                 <a:solidFill>
                   <a:srgbClr val="203582"/>
                 </a:solidFill>
@@ -5110,7 +5128,7 @@
               <a:t> n)</a:t>
             </a:r>
             <a:r>
-              <a:rPr lang="uk-UA" altLang="en-US" sz="2000">
+              <a:rPr lang="uk-UA" altLang="en-US" sz="2000" dirty="0">
                 <a:solidFill>
                   <a:srgbClr val="203582"/>
                 </a:solidFill>
@@ -5119,7 +5137,7 @@
               <a:t> </a:t>
             </a:r>
             <a:r>
-              <a:rPr lang="en-US" altLang="en-US" sz="2000">
+              <a:rPr lang="en-US" altLang="en-US" sz="2000" dirty="0">
                 <a:solidFill>
                   <a:srgbClr val="203582"/>
                 </a:solidFill>
@@ -5127,7 +5145,7 @@
               </a:rPr>
               <a:t>{ ...}</a:t>
             </a:r>
-            <a:endParaRPr lang="uk-UA" altLang="en-US" sz="2000">
+            <a:endParaRPr lang="uk-UA" altLang="en-US" sz="2000" dirty="0">
               <a:solidFill>
                 <a:srgbClr val="203582"/>
               </a:solidFill>
@@ -5142,7 +5160,7 @@
               <a:buFont typeface="Wingdings" panose="05000000000000000000" pitchFamily="2" charset="2"/>
               <a:buNone/>
             </a:pPr>
-            <a:endParaRPr lang="en-US" altLang="en-US" sz="1100">
+            <a:endParaRPr lang="en-US" altLang="en-US" sz="1100" dirty="0">
               <a:solidFill>
                 <a:srgbClr val="203582"/>
               </a:solidFill>
@@ -5158,16 +5176,25 @@
               <a:buNone/>
             </a:pPr>
             <a:r>
-              <a:rPr lang="en-US" altLang="en-US" sz="2000">
-                <a:solidFill>
-                  <a:srgbClr val="203582"/>
-                </a:solidFill>
-                <a:latin typeface="Courier New" panose="02070309020205020404" pitchFamily="49" charset="0"/>
-              </a:rPr>
-              <a:t>boxTest(new </a:t>
-            </a:r>
-            <a:r>
-              <a:rPr lang="en-US" altLang="en-US" sz="2000" b="1">
+              <a:rPr lang="en-US" altLang="en-US" sz="2000" dirty="0" err="1">
+                <a:solidFill>
+                  <a:srgbClr val="203582"/>
+                </a:solidFill>
+                <a:latin typeface="Courier New" panose="02070309020205020404" pitchFamily="49" charset="0"/>
+              </a:rPr>
+              <a:t>boxTest</a:t>
+            </a:r>
+            <a:r>
+              <a:rPr lang="en-US" altLang="en-US" sz="2000" dirty="0">
+                <a:solidFill>
+                  <a:srgbClr val="203582"/>
+                </a:solidFill>
+                <a:latin typeface="Courier New" panose="02070309020205020404" pitchFamily="49" charset="0"/>
+              </a:rPr>
+              <a:t>(new </a:t>
+            </a:r>
+            <a:r>
+              <a:rPr lang="en-US" altLang="en-US" sz="2000" b="1" dirty="0">
                 <a:solidFill>
                   <a:srgbClr val="203582"/>
                 </a:solidFill>
@@ -5176,7 +5203,7 @@
               <a:t>Box&lt;Integer&gt;()</a:t>
             </a:r>
             <a:r>
-              <a:rPr lang="en-US" altLang="en-US" sz="2000">
+              <a:rPr lang="en-US" altLang="en-US" sz="2000" dirty="0">
                 <a:solidFill>
                   <a:srgbClr val="203582"/>
                 </a:solidFill>
@@ -5185,7 +5212,7 @@
               <a:t>);</a:t>
             </a:r>
             <a:r>
-              <a:rPr lang="uk-UA" altLang="en-US" sz="2000">
+              <a:rPr lang="uk-UA" altLang="en-US" sz="2000" dirty="0">
                 <a:solidFill>
                   <a:srgbClr val="203582"/>
                 </a:solidFill>
@@ -5194,7 +5221,7 @@
               <a:t> </a:t>
             </a:r>
             <a:r>
-              <a:rPr lang="en-US" altLang="en-US" sz="2000">
+              <a:rPr lang="en-US" altLang="en-US" sz="2000" dirty="0">
                 <a:solidFill>
                   <a:srgbClr val="203582"/>
                 </a:solidFill>
@@ -5212,16 +5239,25 @@
               <a:buNone/>
             </a:pPr>
             <a:r>
-              <a:rPr lang="en-US" altLang="en-US" sz="2000">
-                <a:solidFill>
-                  <a:srgbClr val="203582"/>
-                </a:solidFill>
-                <a:latin typeface="Courier New" panose="02070309020205020404" pitchFamily="49" charset="0"/>
-              </a:rPr>
-              <a:t>boxTest(new </a:t>
-            </a:r>
-            <a:r>
-              <a:rPr lang="en-US" altLang="en-US" sz="2000" b="1">
+              <a:rPr lang="en-US" altLang="en-US" sz="2000" dirty="0" err="1">
+                <a:solidFill>
+                  <a:srgbClr val="203582"/>
+                </a:solidFill>
+                <a:latin typeface="Courier New" panose="02070309020205020404" pitchFamily="49" charset="0"/>
+              </a:rPr>
+              <a:t>boxTest</a:t>
+            </a:r>
+            <a:r>
+              <a:rPr lang="en-US" altLang="en-US" sz="2000" dirty="0">
+                <a:solidFill>
+                  <a:srgbClr val="203582"/>
+                </a:solidFill>
+                <a:latin typeface="Courier New" panose="02070309020205020404" pitchFamily="49" charset="0"/>
+              </a:rPr>
+              <a:t>(new </a:t>
+            </a:r>
+            <a:r>
+              <a:rPr lang="en-US" altLang="en-US" sz="2000" b="1" dirty="0">
                 <a:solidFill>
                   <a:srgbClr val="203582"/>
                 </a:solidFill>
@@ -5230,7 +5266,7 @@
               <a:t>Box&lt;Double&gt;()</a:t>
             </a:r>
             <a:r>
-              <a:rPr lang="en-US" altLang="en-US" sz="2000">
+              <a:rPr lang="en-US" altLang="en-US" sz="2000" dirty="0">
                 <a:solidFill>
                   <a:srgbClr val="203582"/>
                 </a:solidFill>
@@ -5239,7 +5275,7 @@
               <a:t>); </a:t>
             </a:r>
             <a:r>
-              <a:rPr lang="uk-UA" altLang="en-US" sz="2000">
+              <a:rPr lang="uk-UA" altLang="en-US" sz="2000" dirty="0">
                 <a:solidFill>
                   <a:srgbClr val="203582"/>
                 </a:solidFill>
@@ -5248,7 +5284,7 @@
               <a:t> </a:t>
             </a:r>
             <a:r>
-              <a:rPr lang="en-US" altLang="en-US" sz="2000">
+              <a:rPr lang="en-US" altLang="en-US" sz="2000" dirty="0">
                 <a:solidFill>
                   <a:srgbClr val="203582"/>
                 </a:solidFill>
@@ -5264,7 +5300,7 @@
               </a:lnSpc>
               <a:buNone/>
             </a:pPr>
-            <a:endParaRPr lang="uk-UA" altLang="en-US" sz="1800"/>
+            <a:endParaRPr lang="uk-UA" altLang="en-US" sz="1800" dirty="0"/>
           </a:p>
         </p:txBody>
       </p:sp>
@@ -5387,10 +5423,10 @@
               </a:lnSpc>
             </a:pPr>
             <a:r>
-              <a:rPr lang="uk-UA" altLang="en-US" sz="1800"/>
+              <a:rPr lang="uk-UA" altLang="en-US" sz="1800" dirty="0"/>
               <a:t>Опція 1</a:t>
             </a:r>
-            <a:endParaRPr lang="uk-UA" altLang="en-US" sz="1600" b="1"/>
+            <a:endParaRPr lang="uk-UA" altLang="en-US" sz="1600" b="1" dirty="0"/>
           </a:p>
           <a:p>
             <a:pPr eaLnBrk="1" hangingPunct="1">
@@ -5398,7 +5434,7 @@
                 <a:spcPct val="80000"/>
               </a:lnSpc>
             </a:pPr>
-            <a:endParaRPr lang="uk-UA" altLang="en-US" sz="1600" b="1"/>
+            <a:endParaRPr lang="uk-UA" altLang="en-US" sz="1600" b="1" dirty="0"/>
           </a:p>
           <a:p>
             <a:pPr lvl="1" eaLnBrk="1" hangingPunct="1">
@@ -5409,16 +5445,34 @@
               <a:buNone/>
             </a:pPr>
             <a:r>
-              <a:rPr lang="en-US" altLang="en-US" sz="1600">
-                <a:solidFill>
-                  <a:srgbClr val="203582"/>
-                </a:solidFill>
-                <a:latin typeface="Courier New" panose="02070309020205020404" pitchFamily="49" charset="0"/>
-              </a:rPr>
-              <a:t>public void boxTest(</a:t>
-            </a:r>
-            <a:r>
-              <a:rPr lang="en-US" altLang="en-US" sz="1600" b="1">
+              <a:rPr lang="en-US" altLang="en-US" sz="1600" dirty="0">
+                <a:solidFill>
+                  <a:srgbClr val="203582"/>
+                </a:solidFill>
+                <a:latin typeface="Courier New" panose="02070309020205020404" pitchFamily="49" charset="0"/>
+              </a:rPr>
+              <a:t>public void </a:t>
+            </a:r>
+            <a:r>
+              <a:rPr lang="en-US" altLang="en-US" sz="1600" dirty="0" err="1">
+                <a:solidFill>
+                  <a:srgbClr val="203582"/>
+                </a:solidFill>
+                <a:latin typeface="Courier New" panose="02070309020205020404" pitchFamily="49" charset="0"/>
+              </a:rPr>
+              <a:t>boxTest</a:t>
+            </a:r>
+            <a:r>
+              <a:rPr lang="en-US" altLang="en-US" sz="1600" dirty="0">
+                <a:solidFill>
+                  <a:srgbClr val="203582"/>
+                </a:solidFill>
+                <a:latin typeface="Courier New" panose="02070309020205020404" pitchFamily="49" charset="0"/>
+              </a:rPr>
+              <a:t>(</a:t>
+            </a:r>
+            <a:r>
+              <a:rPr lang="en-US" altLang="en-US" sz="1600" b="1" dirty="0">
                 <a:solidFill>
                   <a:srgbClr val="203582"/>
                 </a:solidFill>
@@ -5427,7 +5481,7 @@
               <a:t>Box&lt;</a:t>
             </a:r>
             <a:r>
-              <a:rPr lang="uk-UA" altLang="en-US" sz="1600" b="1">
+              <a:rPr lang="uk-UA" altLang="en-US" sz="1600" b="1" dirty="0">
                 <a:solidFill>
                   <a:srgbClr val="203582"/>
                 </a:solidFill>
@@ -5436,7 +5490,7 @@
               <a:t>?</a:t>
             </a:r>
             <a:r>
-              <a:rPr lang="en-US" altLang="en-US" sz="1600" b="1">
+              <a:rPr lang="en-US" altLang="en-US" sz="1600" b="1" dirty="0">
                 <a:solidFill>
                   <a:srgbClr val="203582"/>
                 </a:solidFill>
@@ -5445,7 +5499,7 @@
               <a:t>&gt;</a:t>
             </a:r>
             <a:r>
-              <a:rPr lang="en-US" altLang="en-US" sz="1600">
+              <a:rPr lang="en-US" altLang="en-US" sz="1600" dirty="0">
                 <a:solidFill>
                   <a:srgbClr val="203582"/>
                 </a:solidFill>
@@ -5454,7 +5508,7 @@
               <a:t> n)</a:t>
             </a:r>
             <a:r>
-              <a:rPr lang="uk-UA" altLang="en-US" sz="1600">
+              <a:rPr lang="uk-UA" altLang="en-US" sz="1600" dirty="0">
                 <a:solidFill>
                   <a:srgbClr val="203582"/>
                 </a:solidFill>
@@ -5463,7 +5517,7 @@
               <a:t> </a:t>
             </a:r>
             <a:r>
-              <a:rPr lang="en-US" altLang="en-US" sz="1600">
+              <a:rPr lang="en-US" altLang="en-US" sz="1600" dirty="0">
                 <a:solidFill>
                   <a:srgbClr val="203582"/>
                 </a:solidFill>
@@ -5472,7 +5526,7 @@
               <a:t>{ ...</a:t>
             </a:r>
             <a:r>
-              <a:rPr lang="uk-UA" altLang="en-US" sz="1600">
+              <a:rPr lang="uk-UA" altLang="en-US" sz="1600" dirty="0">
                 <a:solidFill>
                   <a:srgbClr val="203582"/>
                 </a:solidFill>
@@ -5481,7 +5535,7 @@
               <a:t> </a:t>
             </a:r>
             <a:r>
-              <a:rPr lang="en-US" altLang="en-US" sz="1600">
+              <a:rPr lang="en-US" altLang="en-US" sz="1600" dirty="0">
                 <a:solidFill>
                   <a:srgbClr val="203582"/>
                 </a:solidFill>
@@ -5498,7 +5552,7 @@
               <a:buFont typeface="Wingdings" panose="05000000000000000000" pitchFamily="2" charset="2"/>
               <a:buNone/>
             </a:pPr>
-            <a:endParaRPr lang="en-US" altLang="en-US" sz="1000">
+            <a:endParaRPr lang="en-US" altLang="en-US" sz="1000" dirty="0">
               <a:solidFill>
                 <a:srgbClr val="203582"/>
               </a:solidFill>
@@ -5514,16 +5568,25 @@
               <a:buNone/>
             </a:pPr>
             <a:r>
-              <a:rPr lang="en-US" altLang="en-US" sz="1600">
-                <a:solidFill>
-                  <a:srgbClr val="203582"/>
-                </a:solidFill>
-                <a:latin typeface="Courier New" panose="02070309020205020404" pitchFamily="49" charset="0"/>
-              </a:rPr>
-              <a:t>boxTest(new </a:t>
-            </a:r>
-            <a:r>
-              <a:rPr lang="en-US" altLang="en-US" sz="1600" b="1">
+              <a:rPr lang="en-US" altLang="en-US" sz="1600" dirty="0" err="1">
+                <a:solidFill>
+                  <a:srgbClr val="203582"/>
+                </a:solidFill>
+                <a:latin typeface="Courier New" panose="02070309020205020404" pitchFamily="49" charset="0"/>
+              </a:rPr>
+              <a:t>boxTest</a:t>
+            </a:r>
+            <a:r>
+              <a:rPr lang="en-US" altLang="en-US" sz="1600" dirty="0">
+                <a:solidFill>
+                  <a:srgbClr val="203582"/>
+                </a:solidFill>
+                <a:latin typeface="Courier New" panose="02070309020205020404" pitchFamily="49" charset="0"/>
+              </a:rPr>
+              <a:t>(new </a:t>
+            </a:r>
+            <a:r>
+              <a:rPr lang="en-US" altLang="en-US" sz="1600" b="1" dirty="0">
                 <a:solidFill>
                   <a:srgbClr val="203582"/>
                 </a:solidFill>
@@ -5532,7 +5595,7 @@
               <a:t>Box&lt;Integer&gt;()</a:t>
             </a:r>
             <a:r>
-              <a:rPr lang="en-US" altLang="en-US" sz="1600">
+              <a:rPr lang="en-US" altLang="en-US" sz="1600" dirty="0">
                 <a:solidFill>
                   <a:srgbClr val="203582"/>
                 </a:solidFill>
@@ -5541,7 +5604,7 @@
               <a:t>);</a:t>
             </a:r>
             <a:r>
-              <a:rPr lang="uk-UA" altLang="en-US" sz="1600">
+              <a:rPr lang="uk-UA" altLang="en-US" sz="1600" dirty="0">
                 <a:solidFill>
                   <a:srgbClr val="203582"/>
                 </a:solidFill>
@@ -5550,7 +5613,7 @@
               <a:t> </a:t>
             </a:r>
             <a:r>
-              <a:rPr lang="en-US" altLang="en-US" sz="1600">
+              <a:rPr lang="en-US" altLang="en-US" sz="1600" dirty="0">
                 <a:solidFill>
                   <a:srgbClr val="203582"/>
                 </a:solidFill>
@@ -5568,16 +5631,25 @@
               <a:buNone/>
             </a:pPr>
             <a:r>
-              <a:rPr lang="en-US" altLang="en-US" sz="1600">
-                <a:solidFill>
-                  <a:srgbClr val="203582"/>
-                </a:solidFill>
-                <a:latin typeface="Courier New" panose="02070309020205020404" pitchFamily="49" charset="0"/>
-              </a:rPr>
-              <a:t>boxTest(new </a:t>
-            </a:r>
-            <a:r>
-              <a:rPr lang="en-US" altLang="en-US" sz="1600" b="1">
+              <a:rPr lang="en-US" altLang="en-US" sz="1600" dirty="0" err="1">
+                <a:solidFill>
+                  <a:srgbClr val="203582"/>
+                </a:solidFill>
+                <a:latin typeface="Courier New" panose="02070309020205020404" pitchFamily="49" charset="0"/>
+              </a:rPr>
+              <a:t>boxTest</a:t>
+            </a:r>
+            <a:r>
+              <a:rPr lang="en-US" altLang="en-US" sz="1600" dirty="0">
+                <a:solidFill>
+                  <a:srgbClr val="203582"/>
+                </a:solidFill>
+                <a:latin typeface="Courier New" panose="02070309020205020404" pitchFamily="49" charset="0"/>
+              </a:rPr>
+              <a:t>(new </a:t>
+            </a:r>
+            <a:r>
+              <a:rPr lang="en-US" altLang="en-US" sz="1600" b="1" dirty="0">
                 <a:solidFill>
                   <a:srgbClr val="203582"/>
                 </a:solidFill>
@@ -5586,7 +5658,7 @@
               <a:t>Box&lt;Double&gt;()</a:t>
             </a:r>
             <a:r>
-              <a:rPr lang="en-US" altLang="en-US" sz="1600">
+              <a:rPr lang="en-US" altLang="en-US" sz="1600" dirty="0">
                 <a:solidFill>
                   <a:srgbClr val="203582"/>
                 </a:solidFill>
@@ -5595,7 +5667,7 @@
               <a:t>); </a:t>
             </a:r>
             <a:r>
-              <a:rPr lang="uk-UA" altLang="en-US" sz="1600">
+              <a:rPr lang="uk-UA" altLang="en-US" sz="1600" dirty="0">
                 <a:solidFill>
                   <a:srgbClr val="203582"/>
                 </a:solidFill>
@@ -5604,7 +5676,7 @@
               <a:t> </a:t>
             </a:r>
             <a:r>
-              <a:rPr lang="en-US" altLang="en-US" sz="1600">
+              <a:rPr lang="en-US" altLang="en-US" sz="1600" dirty="0">
                 <a:solidFill>
                   <a:srgbClr val="203582"/>
                 </a:solidFill>
@@ -5612,7 +5684,7 @@
               </a:rPr>
               <a:t>// ok</a:t>
             </a:r>
-            <a:endParaRPr lang="uk-UA" altLang="en-US" sz="1600">
+            <a:endParaRPr lang="uk-UA" altLang="en-US" sz="1600" dirty="0">
               <a:solidFill>
                 <a:srgbClr val="203582"/>
               </a:solidFill>
@@ -5628,16 +5700,25 @@
               <a:buNone/>
             </a:pPr>
             <a:r>
-              <a:rPr lang="en-US" altLang="en-US" sz="1600">
-                <a:solidFill>
-                  <a:srgbClr val="203582"/>
-                </a:solidFill>
-                <a:latin typeface="Courier New" panose="02070309020205020404" pitchFamily="49" charset="0"/>
-              </a:rPr>
-              <a:t>boxTest(new </a:t>
-            </a:r>
-            <a:r>
-              <a:rPr lang="en-US" altLang="en-US" sz="1600" b="1">
+              <a:rPr lang="en-US" altLang="en-US" sz="1600" dirty="0" err="1">
+                <a:solidFill>
+                  <a:srgbClr val="203582"/>
+                </a:solidFill>
+                <a:latin typeface="Courier New" panose="02070309020205020404" pitchFamily="49" charset="0"/>
+              </a:rPr>
+              <a:t>boxTest</a:t>
+            </a:r>
+            <a:r>
+              <a:rPr lang="en-US" altLang="en-US" sz="1600" dirty="0">
+                <a:solidFill>
+                  <a:srgbClr val="203582"/>
+                </a:solidFill>
+                <a:latin typeface="Courier New" panose="02070309020205020404" pitchFamily="49" charset="0"/>
+              </a:rPr>
+              <a:t>(new </a:t>
+            </a:r>
+            <a:r>
+              <a:rPr lang="en-US" altLang="en-US" sz="1600" b="1" dirty="0">
                 <a:solidFill>
                   <a:srgbClr val="203582"/>
                 </a:solidFill>
@@ -5646,7 +5727,7 @@
               <a:t>Box&lt;String&gt;()</a:t>
             </a:r>
             <a:r>
-              <a:rPr lang="en-US" altLang="en-US" sz="1600">
+              <a:rPr lang="en-US" altLang="en-US" sz="1600" dirty="0">
                 <a:solidFill>
                   <a:srgbClr val="203582"/>
                 </a:solidFill>
@@ -5655,7 +5736,7 @@
               <a:t>); </a:t>
             </a:r>
             <a:r>
-              <a:rPr lang="uk-UA" altLang="en-US" sz="1600">
+              <a:rPr lang="uk-UA" altLang="en-US" sz="1600" dirty="0">
                 <a:solidFill>
                   <a:srgbClr val="203582"/>
                 </a:solidFill>
@@ -5664,7 +5745,7 @@
               <a:t> </a:t>
             </a:r>
             <a:r>
-              <a:rPr lang="en-US" altLang="en-US" sz="1600">
+              <a:rPr lang="en-US" altLang="en-US" sz="1600" dirty="0">
                 <a:solidFill>
                   <a:srgbClr val="203582"/>
                 </a:solidFill>
@@ -5673,7 +5754,7 @@
               <a:t>// </a:t>
             </a:r>
             <a:r>
-              <a:rPr lang="en-US" altLang="en-US" sz="1600">
+              <a:rPr lang="en-US" altLang="en-US" sz="1600" dirty="0">
                 <a:solidFill>
                   <a:srgbClr val="C00000"/>
                 </a:solidFill>
@@ -5681,7 +5762,7 @@
               </a:rPr>
               <a:t>ok?</a:t>
             </a:r>
-            <a:endParaRPr lang="uk-UA" altLang="en-US" sz="1600">
+            <a:endParaRPr lang="uk-UA" altLang="en-US" sz="1600" dirty="0">
               <a:solidFill>
                 <a:srgbClr val="C00000"/>
               </a:solidFill>
@@ -5696,7 +5777,7 @@
               <a:buFont typeface="Wingdings" panose="05000000000000000000" pitchFamily="2" charset="2"/>
               <a:buNone/>
             </a:pPr>
-            <a:endParaRPr lang="uk-UA" altLang="en-US" sz="1600">
+            <a:endParaRPr lang="uk-UA" altLang="en-US" sz="1600" dirty="0">
               <a:solidFill>
                 <a:srgbClr val="203582"/>
               </a:solidFill>
@@ -5711,7 +5792,7 @@
               <a:buFont typeface="Wingdings" panose="05000000000000000000" pitchFamily="2" charset="2"/>
               <a:buNone/>
             </a:pPr>
-            <a:endParaRPr lang="uk-UA" altLang="en-US" sz="1600">
+            <a:endParaRPr lang="uk-UA" altLang="en-US" sz="1600" dirty="0">
               <a:solidFill>
                 <a:srgbClr val="203582"/>
               </a:solidFill>
@@ -5724,7 +5805,7 @@
                 <a:spcPct val="80000"/>
               </a:lnSpc>
             </a:pPr>
-            <a:endParaRPr lang="uk-UA" altLang="en-US" sz="1600" b="1"/>
+            <a:endParaRPr lang="uk-UA" altLang="en-US" sz="1600" b="1" dirty="0"/>
           </a:p>
           <a:p>
             <a:pPr eaLnBrk="1" hangingPunct="1">
@@ -5733,7 +5814,7 @@
               </a:lnSpc>
             </a:pPr>
             <a:r>
-              <a:rPr lang="uk-UA" altLang="en-US" sz="1800"/>
+              <a:rPr lang="uk-UA" altLang="en-US" sz="1800" dirty="0"/>
               <a:t>Опція 2</a:t>
             </a:r>
           </a:p>
@@ -5746,16 +5827,34 @@
               <a:buNone/>
             </a:pPr>
             <a:r>
-              <a:rPr lang="en-US" altLang="en-US" sz="1600">
-                <a:solidFill>
-                  <a:srgbClr val="203582"/>
-                </a:solidFill>
-                <a:latin typeface="Courier New" panose="02070309020205020404" pitchFamily="49" charset="0"/>
-              </a:rPr>
-              <a:t>public void boxTest(</a:t>
-            </a:r>
-            <a:r>
-              <a:rPr lang="en-US" altLang="en-US" sz="1600" b="1">
+              <a:rPr lang="en-US" altLang="en-US" sz="1600" dirty="0">
+                <a:solidFill>
+                  <a:srgbClr val="203582"/>
+                </a:solidFill>
+                <a:latin typeface="Courier New" panose="02070309020205020404" pitchFamily="49" charset="0"/>
+              </a:rPr>
+              <a:t>public void </a:t>
+            </a:r>
+            <a:r>
+              <a:rPr lang="en-US" altLang="en-US" sz="1600" dirty="0" err="1">
+                <a:solidFill>
+                  <a:srgbClr val="203582"/>
+                </a:solidFill>
+                <a:latin typeface="Courier New" panose="02070309020205020404" pitchFamily="49" charset="0"/>
+              </a:rPr>
+              <a:t>boxTest</a:t>
+            </a:r>
+            <a:r>
+              <a:rPr lang="en-US" altLang="en-US" sz="1600" dirty="0">
+                <a:solidFill>
+                  <a:srgbClr val="203582"/>
+                </a:solidFill>
+                <a:latin typeface="Courier New" panose="02070309020205020404" pitchFamily="49" charset="0"/>
+              </a:rPr>
+              <a:t>(</a:t>
+            </a:r>
+            <a:r>
+              <a:rPr lang="en-US" altLang="en-US" sz="1600" b="1" dirty="0">
                 <a:solidFill>
                   <a:srgbClr val="203582"/>
                 </a:solidFill>
@@ -5764,7 +5863,7 @@
               <a:t>Box&lt;</a:t>
             </a:r>
             <a:r>
-              <a:rPr lang="uk-UA" altLang="en-US" sz="1600" b="1">
+              <a:rPr lang="uk-UA" altLang="en-US" sz="1600" b="1" dirty="0">
                 <a:solidFill>
                   <a:srgbClr val="203582"/>
                 </a:solidFill>
@@ -5773,7 +5872,7 @@
               <a:t>? </a:t>
             </a:r>
             <a:r>
-              <a:rPr lang="en-US" altLang="en-US" sz="1600" b="1">
+              <a:rPr lang="en-US" altLang="en-US" sz="1600" b="1" dirty="0">
                 <a:solidFill>
                   <a:srgbClr val="203582"/>
                 </a:solidFill>
@@ -5782,7 +5881,7 @@
               <a:t>extends Number&gt;</a:t>
             </a:r>
             <a:r>
-              <a:rPr lang="en-US" altLang="en-US" sz="1600">
+              <a:rPr lang="en-US" altLang="en-US" sz="1600" dirty="0">
                 <a:solidFill>
                   <a:srgbClr val="203582"/>
                 </a:solidFill>
@@ -5791,7 +5890,7 @@
               <a:t> n)</a:t>
             </a:r>
             <a:r>
-              <a:rPr lang="uk-UA" altLang="en-US" sz="1600">
+              <a:rPr lang="uk-UA" altLang="en-US" sz="1600" dirty="0">
                 <a:solidFill>
                   <a:srgbClr val="203582"/>
                 </a:solidFill>
@@ -5800,7 +5899,7 @@
               <a:t> </a:t>
             </a:r>
             <a:r>
-              <a:rPr lang="en-US" altLang="en-US" sz="1600">
+              <a:rPr lang="en-US" altLang="en-US" sz="1600" dirty="0">
                 <a:solidFill>
                   <a:srgbClr val="203582"/>
                 </a:solidFill>
@@ -5808,7 +5907,7 @@
               </a:rPr>
               <a:t>{ ...}</a:t>
             </a:r>
-            <a:endParaRPr lang="uk-UA" altLang="en-US" sz="1600">
+            <a:endParaRPr lang="uk-UA" altLang="en-US" sz="1600" dirty="0">
               <a:solidFill>
                 <a:srgbClr val="203582"/>
               </a:solidFill>
@@ -5823,7 +5922,7 @@
               <a:buFont typeface="Wingdings" panose="05000000000000000000" pitchFamily="2" charset="2"/>
               <a:buNone/>
             </a:pPr>
-            <a:endParaRPr lang="en-US" altLang="en-US" sz="1000">
+            <a:endParaRPr lang="en-US" altLang="en-US" sz="1000" dirty="0">
               <a:solidFill>
                 <a:srgbClr val="203582"/>
               </a:solidFill>
@@ -5839,16 +5938,25 @@
               <a:buNone/>
             </a:pPr>
             <a:r>
-              <a:rPr lang="en-US" altLang="en-US" sz="1600">
-                <a:solidFill>
-                  <a:srgbClr val="203582"/>
-                </a:solidFill>
-                <a:latin typeface="Courier New" panose="02070309020205020404" pitchFamily="49" charset="0"/>
-              </a:rPr>
-              <a:t>boxTest(new </a:t>
-            </a:r>
-            <a:r>
-              <a:rPr lang="en-US" altLang="en-US" sz="1600" b="1">
+              <a:rPr lang="en-US" altLang="en-US" sz="1600" dirty="0" err="1">
+                <a:solidFill>
+                  <a:srgbClr val="203582"/>
+                </a:solidFill>
+                <a:latin typeface="Courier New" panose="02070309020205020404" pitchFamily="49" charset="0"/>
+              </a:rPr>
+              <a:t>boxTest</a:t>
+            </a:r>
+            <a:r>
+              <a:rPr lang="en-US" altLang="en-US" sz="1600" dirty="0">
+                <a:solidFill>
+                  <a:srgbClr val="203582"/>
+                </a:solidFill>
+                <a:latin typeface="Courier New" panose="02070309020205020404" pitchFamily="49" charset="0"/>
+              </a:rPr>
+              <a:t>(new </a:t>
+            </a:r>
+            <a:r>
+              <a:rPr lang="en-US" altLang="en-US" sz="1600" b="1" dirty="0">
                 <a:solidFill>
                   <a:srgbClr val="203582"/>
                 </a:solidFill>
@@ -5857,7 +5965,7 @@
               <a:t>Box&lt;Integer&gt;()</a:t>
             </a:r>
             <a:r>
-              <a:rPr lang="en-US" altLang="en-US" sz="1600">
+              <a:rPr lang="en-US" altLang="en-US" sz="1600" dirty="0">
                 <a:solidFill>
                   <a:srgbClr val="203582"/>
                 </a:solidFill>
@@ -5866,7 +5974,7 @@
               <a:t>);</a:t>
             </a:r>
             <a:r>
-              <a:rPr lang="uk-UA" altLang="en-US" sz="1600">
+              <a:rPr lang="uk-UA" altLang="en-US" sz="1600" dirty="0">
                 <a:solidFill>
                   <a:srgbClr val="203582"/>
                 </a:solidFill>
@@ -5875,7 +5983,7 @@
               <a:t> </a:t>
             </a:r>
             <a:r>
-              <a:rPr lang="en-US" altLang="en-US" sz="1600">
+              <a:rPr lang="en-US" altLang="en-US" sz="1600" dirty="0">
                 <a:solidFill>
                   <a:srgbClr val="203582"/>
                 </a:solidFill>
@@ -5893,16 +6001,25 @@
               <a:buNone/>
             </a:pPr>
             <a:r>
-              <a:rPr lang="en-US" altLang="en-US" sz="1600">
-                <a:solidFill>
-                  <a:srgbClr val="203582"/>
-                </a:solidFill>
-                <a:latin typeface="Courier New" panose="02070309020205020404" pitchFamily="49" charset="0"/>
-              </a:rPr>
-              <a:t>boxTest(new </a:t>
-            </a:r>
-            <a:r>
-              <a:rPr lang="en-US" altLang="en-US" sz="1600" b="1">
+              <a:rPr lang="en-US" altLang="en-US" sz="1600" dirty="0" err="1">
+                <a:solidFill>
+                  <a:srgbClr val="203582"/>
+                </a:solidFill>
+                <a:latin typeface="Courier New" panose="02070309020205020404" pitchFamily="49" charset="0"/>
+              </a:rPr>
+              <a:t>boxTest</a:t>
+            </a:r>
+            <a:r>
+              <a:rPr lang="en-US" altLang="en-US" sz="1600" dirty="0">
+                <a:solidFill>
+                  <a:srgbClr val="203582"/>
+                </a:solidFill>
+                <a:latin typeface="Courier New" panose="02070309020205020404" pitchFamily="49" charset="0"/>
+              </a:rPr>
+              <a:t>(new </a:t>
+            </a:r>
+            <a:r>
+              <a:rPr lang="en-US" altLang="en-US" sz="1600" b="1" dirty="0">
                 <a:solidFill>
                   <a:srgbClr val="203582"/>
                 </a:solidFill>
@@ -5911,7 +6028,7 @@
               <a:t>Box&lt;Double&gt;()</a:t>
             </a:r>
             <a:r>
-              <a:rPr lang="en-US" altLang="en-US" sz="1600">
+              <a:rPr lang="en-US" altLang="en-US" sz="1600" dirty="0">
                 <a:solidFill>
                   <a:srgbClr val="203582"/>
                 </a:solidFill>
@@ -5920,7 +6037,7 @@
               <a:t>); </a:t>
             </a:r>
             <a:r>
-              <a:rPr lang="uk-UA" altLang="en-US" sz="1600">
+              <a:rPr lang="uk-UA" altLang="en-US" sz="1600" dirty="0">
                 <a:solidFill>
                   <a:srgbClr val="203582"/>
                 </a:solidFill>
@@ -5929,7 +6046,7 @@
               <a:t> </a:t>
             </a:r>
             <a:r>
-              <a:rPr lang="en-US" altLang="en-US" sz="1600">
+              <a:rPr lang="en-US" altLang="en-US" sz="1600" dirty="0">
                 <a:solidFill>
                   <a:srgbClr val="203582"/>
                 </a:solidFill>
@@ -5937,7 +6054,7 @@
               </a:rPr>
               <a:t>// ok</a:t>
             </a:r>
-            <a:endParaRPr lang="uk-UA" altLang="en-US" sz="1600">
+            <a:endParaRPr lang="uk-UA" altLang="en-US" sz="1600" dirty="0">
               <a:solidFill>
                 <a:srgbClr val="203582"/>
               </a:solidFill>
@@ -5952,7 +6069,7 @@
               <a:buFont typeface="Wingdings" panose="05000000000000000000" pitchFamily="2" charset="2"/>
               <a:buNone/>
             </a:pPr>
-            <a:endParaRPr lang="uk-UA" altLang="en-US" sz="1600">
+            <a:endParaRPr lang="uk-UA" altLang="en-US" sz="1600" dirty="0">
               <a:solidFill>
                 <a:srgbClr val="203582"/>
               </a:solidFill>
@@ -5967,7 +6084,7 @@
               <a:buFont typeface="Wingdings" panose="05000000000000000000" pitchFamily="2" charset="2"/>
               <a:buNone/>
             </a:pPr>
-            <a:endParaRPr lang="en-US" altLang="en-US" sz="1600">
+            <a:endParaRPr lang="en-US" altLang="en-US" sz="1600" dirty="0">
               <a:solidFill>
                 <a:srgbClr val="203582"/>
               </a:solidFill>
@@ -5982,7 +6099,7 @@
               <a:buFont typeface="Wingdings" panose="05000000000000000000" pitchFamily="2" charset="2"/>
               <a:buNone/>
             </a:pPr>
-            <a:endParaRPr lang="uk-UA" altLang="en-US" sz="1600">
+            <a:endParaRPr lang="uk-UA" altLang="en-US" sz="1600" dirty="0">
               <a:solidFill>
                 <a:srgbClr val="203582"/>
               </a:solidFill>
@@ -5990,7 +6107,7 @@
             </a:endParaRPr>
           </a:p>
           <a:p>
-            <a:endParaRPr lang="en-US" altLang="en-US" sz="3600"/>
+            <a:endParaRPr lang="en-US" altLang="en-US" sz="3600" dirty="0"/>
           </a:p>
         </p:txBody>
       </p:sp>
